--- a/Cellular AI.pptx
+++ b/Cellular AI.pptx
@@ -305,7 +305,7 @@
           <a:p>
             <a:fld id="{89F296C2-B31C-4DE4-8E70-D1168777A297}" type="datetimeFigureOut">
               <a:rPr lang="en-US" smtClean="0"/>
-              <a:t>12/10/2014</a:t>
+              <a:t>12/11/2014</a:t>
             </a:fld>
             <a:endParaRPr lang="en-US" dirty="0"/>
           </a:p>
@@ -470,7 +470,7 @@
           <a:p>
             <a:fld id="{89F296C2-B31C-4DE4-8E70-D1168777A297}" type="datetimeFigureOut">
               <a:rPr lang="en-US" smtClean="0"/>
-              <a:t>12/10/2014</a:t>
+              <a:t>12/11/2014</a:t>
             </a:fld>
             <a:endParaRPr lang="en-US" dirty="0"/>
           </a:p>
@@ -645,7 +645,7 @@
           <a:p>
             <a:fld id="{89F296C2-B31C-4DE4-8E70-D1168777A297}" type="datetimeFigureOut">
               <a:rPr lang="en-US" smtClean="0"/>
-              <a:t>12/10/2014</a:t>
+              <a:t>12/11/2014</a:t>
             </a:fld>
             <a:endParaRPr lang="en-US" dirty="0"/>
           </a:p>
@@ -810,7 +810,7 @@
           <a:p>
             <a:fld id="{89F296C2-B31C-4DE4-8E70-D1168777A297}" type="datetimeFigureOut">
               <a:rPr lang="en-US" smtClean="0"/>
-              <a:t>12/10/2014</a:t>
+              <a:t>12/11/2014</a:t>
             </a:fld>
             <a:endParaRPr lang="en-US" dirty="0"/>
           </a:p>
@@ -1051,7 +1051,7 @@
           <a:p>
             <a:fld id="{89F296C2-B31C-4DE4-8E70-D1168777A297}" type="datetimeFigureOut">
               <a:rPr lang="en-US" smtClean="0"/>
-              <a:t>12/10/2014</a:t>
+              <a:t>12/11/2014</a:t>
             </a:fld>
             <a:endParaRPr lang="en-US" dirty="0"/>
           </a:p>
@@ -1334,7 +1334,7 @@
           <a:p>
             <a:fld id="{89F296C2-B31C-4DE4-8E70-D1168777A297}" type="datetimeFigureOut">
               <a:rPr lang="en-US" smtClean="0"/>
-              <a:t>12/10/2014</a:t>
+              <a:t>12/11/2014</a:t>
             </a:fld>
             <a:endParaRPr lang="en-US" dirty="0"/>
           </a:p>
@@ -1763,7 +1763,7 @@
           <a:p>
             <a:fld id="{89F296C2-B31C-4DE4-8E70-D1168777A297}" type="datetimeFigureOut">
               <a:rPr lang="en-US" smtClean="0"/>
-              <a:t>12/10/2014</a:t>
+              <a:t>12/11/2014</a:t>
             </a:fld>
             <a:endParaRPr lang="en-US" dirty="0"/>
           </a:p>
@@ -1876,7 +1876,7 @@
           <a:p>
             <a:fld id="{89F296C2-B31C-4DE4-8E70-D1168777A297}" type="datetimeFigureOut">
               <a:rPr lang="en-US" smtClean="0"/>
-              <a:t>12/10/2014</a:t>
+              <a:t>12/11/2014</a:t>
             </a:fld>
             <a:endParaRPr lang="en-US" dirty="0"/>
           </a:p>
@@ -1966,7 +1966,7 @@
           <a:p>
             <a:fld id="{89F296C2-B31C-4DE4-8E70-D1168777A297}" type="datetimeFigureOut">
               <a:rPr lang="en-US" smtClean="0"/>
-              <a:t>12/10/2014</a:t>
+              <a:t>12/11/2014</a:t>
             </a:fld>
             <a:endParaRPr lang="en-US" dirty="0"/>
           </a:p>
@@ -2155,7 +2155,7 @@
           <a:p>
             <a:fld id="{89F296C2-B31C-4DE4-8E70-D1168777A297}" type="datetimeFigureOut">
               <a:rPr lang="en-US" smtClean="0"/>
-              <a:t>12/10/2014</a:t>
+              <a:t>12/11/2014</a:t>
             </a:fld>
             <a:endParaRPr lang="en-US" dirty="0"/>
           </a:p>
@@ -2473,7 +2473,7 @@
           <a:p>
             <a:fld id="{89F296C2-B31C-4DE4-8E70-D1168777A297}" type="datetimeFigureOut">
               <a:rPr lang="en-US" smtClean="0"/>
-              <a:t>12/10/2014</a:t>
+              <a:t>12/11/2014</a:t>
             </a:fld>
             <a:endParaRPr lang="en-US" dirty="0"/>
           </a:p>
@@ -2852,7 +2852,7 @@
           <a:p>
             <a:fld id="{89F296C2-B31C-4DE4-8E70-D1168777A297}" type="datetimeFigureOut">
               <a:rPr lang="en-US" smtClean="0"/>
-              <a:t>12/10/2014</a:t>
+              <a:t>12/11/2014</a:t>
             </a:fld>
             <a:endParaRPr lang="en-US" dirty="0"/>
           </a:p>
@@ -3297,25 +3297,42 @@
           <a:p>
             <a:r>
               <a:rPr lang="en-US" dirty="0" smtClean="0"/>
-              <a:t>Created GA for a group  of agents that learn  over the course of their lifetime</a:t>
-            </a:r>
-          </a:p>
-          <a:p>
-            <a:endParaRPr lang="en-US" dirty="0"/>
-          </a:p>
-          <a:p>
-            <a:r>
-              <a:rPr lang="en-US" dirty="0" smtClean="0"/>
-              <a:t>Fitness is based on number of times agent split + total ratio of energy</a:t>
-            </a:r>
-          </a:p>
-          <a:p>
-            <a:endParaRPr lang="en-US" dirty="0"/>
-          </a:p>
-          <a:p>
-            <a:r>
-              <a:rPr lang="en-US" dirty="0" smtClean="0"/>
-              <a:t>Generations are time based but have a failsafe against failed generations</a:t>
+              <a:t>Created </a:t>
+            </a:r>
+            <a:r>
+              <a:rPr lang="en-US" dirty="0" smtClean="0"/>
+              <a:t>Genetic Algorithm </a:t>
+            </a:r>
+            <a:r>
+              <a:rPr lang="en-US" dirty="0" smtClean="0"/>
+              <a:t>for a group  of agents that learn  over the course of their lifetime</a:t>
+            </a:r>
+          </a:p>
+          <a:p>
+            <a:endParaRPr lang="en-US" dirty="0"/>
+          </a:p>
+          <a:p>
+            <a:r>
+              <a:rPr lang="en-US" dirty="0" smtClean="0"/>
+              <a:t>Fitness is based on number of times agent split + total ratio of </a:t>
+            </a:r>
+            <a:r>
+              <a:rPr lang="en-US" dirty="0" smtClean="0"/>
+              <a:t>energy to maximum energy capacity</a:t>
+            </a:r>
+            <a:endParaRPr lang="en-US" dirty="0" smtClean="0"/>
+          </a:p>
+          <a:p>
+            <a:endParaRPr lang="en-US" dirty="0"/>
+          </a:p>
+          <a:p>
+            <a:r>
+              <a:rPr lang="en-US" dirty="0" smtClean="0"/>
+              <a:t>Generations are time based but have a failsafe against failed </a:t>
+            </a:r>
+            <a:r>
+              <a:rPr lang="en-US" dirty="0" smtClean="0"/>
+              <a:t>generations where not enough agents survive</a:t>
             </a:r>
             <a:endParaRPr lang="en-US" dirty="0"/>
           </a:p>
@@ -3435,7 +3452,11 @@
             <a:pPr lvl="1"/>
             <a:r>
               <a:rPr lang="en-US" dirty="0" smtClean="0"/>
-              <a:t>Self Explanatory</a:t>
+              <a:t>Self </a:t>
+            </a:r>
+            <a:r>
+              <a:rPr lang="en-US" dirty="0" smtClean="0"/>
+              <a:t>Explanatory (also controls size)</a:t>
             </a:r>
             <a:endParaRPr lang="en-US" dirty="0"/>
           </a:p>
@@ -3467,7 +3488,7 @@
             <a:pPr lvl="1"/>
             <a:r>
               <a:rPr lang="en-US" dirty="0" smtClean="0"/>
-              <a:t>Sugar in, energy out ratio</a:t>
+              <a:t>Energy required to move one unit of distance</a:t>
             </a:r>
             <a:endParaRPr lang="en-US" dirty="0"/>
           </a:p>
@@ -3582,7 +3603,19 @@
             <a:pPr lvl="1"/>
             <a:r>
               <a:rPr lang="en-US" dirty="0" smtClean="0"/>
-              <a:t>Determines state when aggressed by larger cell </a:t>
+              <a:t>Determines state when </a:t>
+            </a:r>
+            <a:r>
+              <a:rPr lang="en-US" dirty="0" smtClean="0"/>
+              <a:t>dealing with </a:t>
+            </a:r>
+            <a:r>
+              <a:rPr lang="en-US" dirty="0" smtClean="0"/>
+              <a:t>larger </a:t>
+            </a:r>
+            <a:r>
+              <a:rPr lang="en-US" dirty="0" smtClean="0"/>
+              <a:t>cells </a:t>
             </a:r>
             <a:endParaRPr lang="en-US" dirty="0"/>
           </a:p>
@@ -3627,15 +3660,11 @@
             <a:pPr lvl="1"/>
             <a:r>
               <a:rPr lang="en-US" dirty="0" smtClean="0"/>
-              <a:t>Determines chance to search for sugar, both aggressively and      non-</a:t>
-            </a:r>
-            <a:r>
-              <a:rPr lang="en-US" dirty="0"/>
-              <a:t> aggressively</a:t>
-            </a:r>
-            <a:r>
-              <a:rPr lang="en-US" dirty="0" smtClean="0"/>
-              <a:t> </a:t>
+              <a:t>Determines chance to search for sugar, both aggressively and      </a:t>
+            </a:r>
+            <a:r>
+              <a:rPr lang="en-US" dirty="0" smtClean="0"/>
+              <a:t>non-aggressively</a:t>
             </a:r>
             <a:endParaRPr lang="en-US" dirty="0"/>
           </a:p>
@@ -3720,8 +3749,13 @@
           <a:p>
             <a:r>
               <a:rPr lang="en-US" dirty="0" smtClean="0"/>
-              <a:t>Regression for not doing behaviors</a:t>
-            </a:r>
+              <a:t>Regression for not doing </a:t>
+            </a:r>
+            <a:r>
+              <a:rPr lang="en-US" dirty="0" smtClean="0"/>
+              <a:t>behaviors (wandering aimlessly)</a:t>
+            </a:r>
+            <a:endParaRPr lang="en-US" dirty="0" smtClean="0"/>
           </a:p>
           <a:p>
             <a:pPr lvl="1"/>
